--- a/Slides/20486Core_09.pptx
+++ b/Slides/20486Core_09.pptx
@@ -46,43 +46,43 @@
   <p:notesSz cx="6858000" cy="9144000"/>
   <p:embeddedFontLst>
     <p:embeddedFont>
+      <p:font typeface="Segoe Light" panose="020B0604020202020204" charset="0"/>
+      <p:regular r:id="rId36"/>
+      <p:italic r:id="rId37"/>
+    </p:embeddedFont>
+    <p:embeddedFont>
+      <p:font typeface="Calibri" panose="020F0502020204030204" pitchFamily="34" charset="0"/>
+      <p:regular r:id="rId38"/>
+      <p:bold r:id="rId39"/>
+      <p:italic r:id="rId40"/>
+      <p:boldItalic r:id="rId41"/>
+    </p:embeddedFont>
+    <p:embeddedFont>
+      <p:font typeface="Arial Unicode MS" panose="020B0604020202020204" charset="-128"/>
+      <p:regular r:id="rId42"/>
+    </p:embeddedFont>
+    <p:embeddedFont>
       <p:font typeface="Verdana" panose="020B0604030504040204" pitchFamily="34" charset="0"/>
-      <p:regular r:id="rId36"/>
-      <p:bold r:id="rId37"/>
-      <p:italic r:id="rId38"/>
-      <p:boldItalic r:id="rId39"/>
+      <p:regular r:id="rId43"/>
+      <p:bold r:id="rId44"/>
+      <p:italic r:id="rId45"/>
+      <p:boldItalic r:id="rId46"/>
+    </p:embeddedFont>
+    <p:embeddedFont>
+      <p:font typeface="Lucida Sans Unicode" panose="020B0602030504020204" pitchFamily="34" charset="0"/>
+      <p:regular r:id="rId47"/>
     </p:embeddedFont>
     <p:embeddedFont>
       <p:font typeface="Segoe UI Light" panose="020B0502040204020203" pitchFamily="34" charset="0"/>
-      <p:regular r:id="rId40"/>
-      <p:italic r:id="rId41"/>
-    </p:embeddedFont>
-    <p:embeddedFont>
-      <p:font typeface="Segoe Light" panose="020B0604020202020204" charset="0"/>
-      <p:regular r:id="rId42"/>
-      <p:italic r:id="rId43"/>
-    </p:embeddedFont>
-    <p:embeddedFont>
-      <p:font typeface="Lucida Sans Unicode" panose="020B0602030504020204" pitchFamily="34" charset="0"/>
-      <p:regular r:id="rId44"/>
+      <p:regular r:id="rId48"/>
+      <p:italic r:id="rId49"/>
     </p:embeddedFont>
     <p:embeddedFont>
       <p:font typeface="Segoe UI" panose="020B0502040204020203" pitchFamily="34" charset="0"/>
-      <p:regular r:id="rId45"/>
-      <p:bold r:id="rId46"/>
-      <p:italic r:id="rId47"/>
-      <p:boldItalic r:id="rId48"/>
-    </p:embeddedFont>
-    <p:embeddedFont>
-      <p:font typeface="Calibri" panose="020F0502020204030204" pitchFamily="34" charset="0"/>
-      <p:regular r:id="rId49"/>
-      <p:bold r:id="rId50"/>
-      <p:italic r:id="rId51"/>
-      <p:boldItalic r:id="rId52"/>
-    </p:embeddedFont>
-    <p:embeddedFont>
-      <p:font typeface="Arial Unicode MS" panose="020B0604020202020204" charset="-128"/>
-      <p:regular r:id="rId53"/>
+      <p:regular r:id="rId50"/>
+      <p:bold r:id="rId51"/>
+      <p:italic r:id="rId52"/>
+      <p:boldItalic r:id="rId53"/>
     </p:embeddedFont>
   </p:embeddedFontLst>
   <p:custDataLst>
@@ -299,7 +299,7 @@
             <a:fld id="{77D317AE-6828-4907-A07E-C27C111EB839}" type="datetimeFigureOut">
               <a:rPr lang="en-US" smtClean="0"/>
               <a:pPr/>
-              <a:t>12/12/2016</a:t>
+              <a:t>12/20/2016</a:t>
             </a:fld>
             <a:endParaRPr lang="en-US"/>
           </a:p>
@@ -12392,24 +12392,20 @@
             <a:spLocks noGrp="1"/>
           </p:cNvSpPr>
           <p:nvPr>
-            <p:ph type="ctrTitle" sz="quarter"/>
+            <p:ph type="title"/>
           </p:nvPr>
         </p:nvSpPr>
-        <p:spPr>
-          <a:xfrm>
-            <a:off x="3106782" y="3169492"/>
-            <a:ext cx="5732417" cy="340093"/>
-          </a:xfrm>
-        </p:spPr>
+        <p:spPr/>
         <p:txBody>
           <a:bodyPr/>
           <a:lstStyle/>
           <a:p>
-            <a:r>
-              <a:rPr lang="en-US" sz="2600" smtClean="0"/>
+            <a:pPr algn="ctr"/>
+            <a:r>
+              <a:rPr lang="en-US" sz="2600" dirty="0" smtClean="0"/>
               <a:t>Module09</a:t>
             </a:r>
-            <a:endParaRPr lang="en-US" sz="2600"/>
+            <a:endParaRPr lang="en-US" sz="2600" dirty="0"/>
           </a:p>
         </p:txBody>
       </p:sp>
@@ -12420,25 +12416,32 @@
             <a:spLocks noGrp="1"/>
           </p:cNvSpPr>
           <p:nvPr>
-            <p:ph type="subTitle" sz="quarter" idx="1"/>
+            <p:ph idx="1"/>
           </p:nvPr>
         </p:nvSpPr>
-        <p:spPr>
-          <a:xfrm>
-            <a:off x="3121296" y="3657600"/>
-            <a:ext cx="6022703" cy="1371600"/>
-          </a:xfrm>
-        </p:spPr>
+        <p:spPr/>
         <p:txBody>
-          <a:bodyPr/>
+          <a:bodyPr anchor="ctr"/>
           <a:lstStyle/>
           <a:p>
-            <a:r>
-              <a:rPr lang="en-US" dirty="0" smtClean="0"/>
-              <a:t>Building Responsive Pages in ASP.NET MVC Core Web Applications
-</a:t>
-            </a:r>
-            <a:endParaRPr lang="en-US" dirty="0"/>
+            <a:pPr marL="0" indent="0" algn="ctr">
+              <a:buNone/>
+            </a:pPr>
+            <a:r>
+              <a:rPr lang="en-US" sz="4400" dirty="0" smtClean="0"/>
+              <a:t>Building Responsive Pages in ASP.NET MVC Core </a:t>
+            </a:r>
+            <a:endParaRPr lang="en-US" sz="4400" dirty="0" smtClean="0"/>
+          </a:p>
+          <a:p>
+            <a:pPr marL="0" indent="0" algn="ctr">
+              <a:buNone/>
+            </a:pPr>
+            <a:r>
+              <a:rPr lang="en-US" sz="4400" dirty="0" smtClean="0"/>
+              <a:t>Web Applications</a:t>
+            </a:r>
+            <a:endParaRPr lang="en-US" sz="4400" dirty="0"/>
           </a:p>
         </p:txBody>
       </p:sp>
@@ -15175,11 +15178,7 @@
           <a:p>
             <a:r>
               <a:rPr lang="en-US" dirty="0" smtClean="0"/>
-              <a:t>Implementing </a:t>
-            </a:r>
-            <a:r>
-              <a:rPr lang="en-US" dirty="0" smtClean="0"/>
-              <a:t>a Caching Strategy</a:t>
+              <a:t>Implementing a Caching Strategy</a:t>
             </a:r>
             <a:endParaRPr lang="en-US" dirty="0"/>
           </a:p>
@@ -17112,11 +17111,11 @@
   <p:clrMapOvr>
     <a:masterClrMapping/>
   </p:clrMapOvr>
-  <mc:AlternateContent xmlns:mc="http://schemas.openxmlformats.org/markup-compatibility/2006">
-    <mc:Choice xmlns:p14="http://schemas.microsoft.com/office/powerpoint/2010/main" Requires="p14">
+  <mc:AlternateContent xmlns:mc="http://schemas.openxmlformats.org/markup-compatibility/2006" xmlns:p14="http://schemas.microsoft.com/office/powerpoint/2010/main">
+    <mc:Choice Requires="p14">
       <p:transition spd="slow" p14:dur="2000"/>
     </mc:Choice>
-    <mc:Fallback>
+    <mc:Fallback xmlns="">
       <p:transition spd="slow"/>
     </mc:Fallback>
   </mc:AlternateContent>
@@ -17156,10 +17155,18 @@
           <a:lstStyle/>
           <a:p>
             <a:r>
-              <a:rPr lang="en-US" smtClean="0"/>
-              <a:t>Lab: Building Responsive Pages in ASP.NET MVC 4 Web Applications</a:t>
-            </a:r>
-            <a:endParaRPr lang="en-US"/>
+              <a:rPr lang="en-US" dirty="0" smtClean="0"/>
+              <a:t>Lab: Building Responsive Pages in ASP.NET MVC </a:t>
+            </a:r>
+            <a:r>
+              <a:rPr lang="en-US" dirty="0" smtClean="0"/>
+              <a:t>Core </a:t>
+            </a:r>
+            <a:r>
+              <a:rPr lang="en-US" dirty="0" smtClean="0"/>
+              <a:t>Web Applications</a:t>
+            </a:r>
+            <a:endParaRPr lang="en-US" dirty="0"/>
           </a:p>
         </p:txBody>
       </p:sp>
@@ -17184,142 +17191,6 @@
 Exercise 2: Optional—Configuring the ASP.NET Caches</a:t>
             </a:r>
             <a:endParaRPr lang="en-US" dirty="0"/>
-          </a:p>
-        </p:txBody>
-      </p:sp>
-      <p:sp>
-        <p:nvSpPr>
-          <p:cNvPr id="4" name="TextBox 3"/>
-          <p:cNvSpPr txBox="1"/>
-          <p:nvPr/>
-        </p:nvSpPr>
-        <p:spPr>
-          <a:xfrm>
-            <a:off x="458787" y="2538174"/>
-            <a:ext cx="8119156" cy="523220"/>
-          </a:xfrm>
-          <a:prstGeom prst="rect">
-            <a:avLst/>
-          </a:prstGeom>
-          <a:noFill/>
-        </p:spPr>
-        <p:txBody>
-          <a:bodyPr vert="horz" rtlCol="0">
-            <a:spAutoFit/>
-          </a:bodyPr>
-          <a:lstStyle/>
-          <a:p>
-            <a:r>
-              <a:rPr lang="en-US" sz="2800" dirty="0" smtClean="0">
-                <a:latin typeface="Segoe UI"/>
-              </a:rPr>
-              <a:t>Logon Information</a:t>
-            </a:r>
-            <a:endParaRPr lang="en-US" sz="2800" dirty="0">
-              <a:latin typeface="Segoe UI"/>
-            </a:endParaRPr>
-          </a:p>
-        </p:txBody>
-      </p:sp>
-      <p:sp>
-        <p:nvSpPr>
-          <p:cNvPr id="5" name="TextBox 4"/>
-          <p:cNvSpPr txBox="1"/>
-          <p:nvPr/>
-        </p:nvSpPr>
-        <p:spPr>
-          <a:xfrm>
-            <a:off x="458787" y="3189744"/>
-            <a:ext cx="8119156" cy="2677656"/>
-          </a:xfrm>
-          <a:prstGeom prst="rect">
-            <a:avLst/>
-          </a:prstGeom>
-          <a:noFill/>
-        </p:spPr>
-        <p:txBody>
-          <a:bodyPr vert="horz" rtlCol="0">
-            <a:spAutoFit/>
-          </a:bodyPr>
-          <a:lstStyle/>
-          <a:p>
-            <a:r>
-              <a:rPr lang="en-US" sz="2800" baseline="0" dirty="0" smtClean="0">
-                <a:latin typeface="Segoe UI"/>
-              </a:rPr>
-              <a:t>Virtual Machine: </a:t>
-            </a:r>
-            <a:r>
-              <a:rPr lang="en-US" sz="2800" b="1" baseline="0" dirty="0" smtClean="0">
-                <a:latin typeface="Segoe UI"/>
-              </a:rPr>
-              <a:t>20486B-SEA-DEV11 </a:t>
-            </a:r>
-          </a:p>
-          <a:p>
-            <a:r>
-              <a:rPr lang="en-US" sz="2800" baseline="0" dirty="0" smtClean="0">
-                <a:latin typeface="Segoe UI"/>
-              </a:rPr>
-              <a:t>Username: </a:t>
-            </a:r>
-            <a:r>
-              <a:rPr lang="en-US" sz="2800" b="1" baseline="0" dirty="0" smtClean="0">
-                <a:latin typeface="Segoe UI"/>
-              </a:rPr>
-              <a:t>Admin</a:t>
-            </a:r>
-          </a:p>
-          <a:p>
-            <a:r>
-              <a:rPr lang="en-US" sz="2800" baseline="0" dirty="0" smtClean="0">
-                <a:latin typeface="Segoe UI"/>
-              </a:rPr>
-              <a:t>Password: </a:t>
-            </a:r>
-            <a:r>
-              <a:rPr lang="en-US" sz="2800" b="1" baseline="0" dirty="0" smtClean="0">
-                <a:latin typeface="Segoe UI"/>
-              </a:rPr>
-              <a:t>Pa$$w0rd</a:t>
-            </a:r>
-          </a:p>
-          <a:p>
-            <a:endParaRPr lang="en-US" sz="2800" baseline="0" dirty="0" smtClean="0">
-              <a:latin typeface="Segoe UI"/>
-            </a:endParaRPr>
-          </a:p>
-          <a:p>
-            <a:r>
-              <a:rPr lang="en-US" sz="2800" b="1" baseline="0" dirty="0" smtClean="0">
-                <a:latin typeface="Segoe UI"/>
-              </a:rPr>
-              <a:t>Note: </a:t>
-            </a:r>
-            <a:r>
-              <a:rPr lang="en-US" sz="2800" baseline="0" dirty="0" smtClean="0">
-                <a:latin typeface="Segoe UI"/>
-              </a:rPr>
-              <a:t>In Hyper-V Manager, start the </a:t>
-            </a:r>
-            <a:r>
-              <a:rPr lang="en-US" sz="2800" b="1" baseline="0" dirty="0" smtClean="0">
-                <a:latin typeface="Segoe UI"/>
-              </a:rPr>
-              <a:t>MSL-TMG1 </a:t>
-            </a:r>
-            <a:r>
-              <a:rPr lang="en-US" sz="2800" baseline="0" dirty="0" smtClean="0">
-                <a:latin typeface="Segoe UI"/>
-              </a:rPr>
-              <a:t>virtual machine if it is not already running.</a:t>
-            </a:r>
-            <a:endParaRPr lang="en-US" sz="2800" b="1" baseline="0" dirty="0" smtClean="0">
-              <a:solidFill>
-                <a:srgbClr val="A6A6A6"/>
-              </a:solidFill>
-              <a:latin typeface="Segoe UI"/>
-            </a:endParaRPr>
           </a:p>
         </p:txBody>
       </p:sp>
@@ -19547,11 +19418,11 @@
   <p:clrMapOvr>
     <a:masterClrMapping/>
   </p:clrMapOvr>
-  <mc:AlternateContent xmlns:mc="http://schemas.openxmlformats.org/markup-compatibility/2006">
-    <mc:Choice xmlns:p14="http://schemas.microsoft.com/office/powerpoint/2010/main" Requires="p14">
+  <mc:AlternateContent xmlns:mc="http://schemas.openxmlformats.org/markup-compatibility/2006" xmlns:p14="http://schemas.microsoft.com/office/powerpoint/2010/main">
+    <mc:Choice Requires="p14">
       <p:transition spd="slow" p14:dur="2000"/>
     </mc:Choice>
-    <mc:Fallback>
+    <mc:Fallback xmlns="">
       <p:transition spd="slow"/>
     </mc:Fallback>
   </mc:AlternateContent>
@@ -19807,29 +19678,8 @@
                 <a:ea typeface="Segoe UI" pitchFamily="34" charset="0"/>
                 <a:cs typeface="Segoe UI" pitchFamily="34" charset="0"/>
               </a:rPr>
-              <a:t> </a:t>
-            </a:r>
-            <a:r>
-              <a:rPr lang="en-US" sz="2600" b="0" dirty="0" smtClean="0">
-                <a:latin typeface="Segoe UI" pitchFamily="34" charset="0"/>
-                <a:ea typeface="Segoe UI" pitchFamily="34" charset="0"/>
-                <a:cs typeface="Segoe UI" pitchFamily="34" charset="0"/>
-              </a:rPr>
-              <a:t>to render only the specific sections that you want to update on the </a:t>
-            </a:r>
-            <a:r>
-              <a:rPr lang="en-US" sz="2600" b="0" dirty="0" smtClean="0">
-                <a:latin typeface="Segoe UI" pitchFamily="34" charset="0"/>
-                <a:ea typeface="Segoe UI" pitchFamily="34" charset="0"/>
-                <a:cs typeface="Segoe UI" pitchFamily="34" charset="0"/>
-              </a:rPr>
-              <a:t>webpage</a:t>
-            </a:r>
-            <a:endParaRPr lang="en-US" sz="2600" b="0" dirty="0" smtClean="0">
-              <a:latin typeface="Segoe UI" pitchFamily="34" charset="0"/>
-              <a:ea typeface="Segoe UI" pitchFamily="34" charset="0"/>
-              <a:cs typeface="Segoe UI" pitchFamily="34" charset="0"/>
-            </a:endParaRPr>
+              <a:t> to render only the specific sections that you want to update on the webpage</a:t>
+            </a:r>
           </a:p>
           <a:p>
             <a:endParaRPr lang="en-US" sz="2600" b="0" dirty="0" smtClean="0">
@@ -20007,11 +19857,11 @@
   <p:clrMapOvr>
     <a:masterClrMapping/>
   </p:clrMapOvr>
-  <mc:AlternateContent xmlns:mc="http://schemas.openxmlformats.org/markup-compatibility/2006">
-    <mc:Choice xmlns:p14="http://schemas.microsoft.com/office/powerpoint/2010/main" Requires="p14">
+  <mc:AlternateContent xmlns:mc="http://schemas.openxmlformats.org/markup-compatibility/2006" xmlns:p14="http://schemas.microsoft.com/office/powerpoint/2010/main">
+    <mc:Choice Requires="p14">
       <p:transition spd="slow" p14:dur="2000"/>
     </mc:Choice>
-    <mc:Fallback>
+    <mc:Fallback xmlns="">
       <p:transition spd="slow"/>
     </mc:Fallback>
   </mc:AlternateContent>
@@ -20052,11 +19902,7 @@
           <a:p>
             <a:r>
               <a:rPr lang="en-US" dirty="0" smtClean="0"/>
-              <a:t>The </a:t>
-            </a:r>
-            <a:r>
-              <a:rPr lang="en-US" dirty="0" smtClean="0"/>
-              <a:t>jQuery Ajax Unobtrusive plugin</a:t>
+              <a:t>The jQuery Ajax Unobtrusive plugin</a:t>
             </a:r>
             <a:endParaRPr lang="en-US" dirty="0"/>
           </a:p>
@@ -20245,11 +20091,6 @@
               </a:rPr>
               <a:t>:</a:t>
             </a:r>
-            <a:endParaRPr lang="en-US" sz="2800" b="0" dirty="0" smtClean="0">
-              <a:latin typeface="Segoe UI" pitchFamily="34" charset="0"/>
-              <a:ea typeface="Segoe UI" pitchFamily="34" charset="0"/>
-              <a:cs typeface="Segoe UI" pitchFamily="34" charset="0"/>
-            </a:endParaRPr>
           </a:p>
           <a:p>
             <a:pPr marL="122238" indent="-122238">
@@ -20286,15 +20127,7 @@
                 <a:ea typeface="Segoe UI" pitchFamily="34" charset="0"/>
                 <a:cs typeface="Segoe UI" pitchFamily="34" charset="0"/>
               </a:rPr>
-              <a:t>Helps replace content in a specific </a:t>
-            </a:r>
-            <a:r>
-              <a:rPr lang="en-US" sz="2800" b="0" dirty="0" smtClean="0">
-                <a:latin typeface="Segoe UI" pitchFamily="34" charset="0"/>
-                <a:ea typeface="Segoe UI" pitchFamily="34" charset="0"/>
-                <a:cs typeface="Segoe UI" pitchFamily="34" charset="0"/>
-              </a:rPr>
-              <a:t>location</a:t>
+              <a:t>Helps replace content in a specific location</a:t>
             </a:r>
           </a:p>
           <a:p>
@@ -20721,11 +20554,11 @@
   <p:clrMapOvr>
     <a:masterClrMapping/>
   </p:clrMapOvr>
-  <mc:AlternateContent xmlns:mc="http://schemas.openxmlformats.org/markup-compatibility/2006">
-    <mc:Choice xmlns:p14="http://schemas.microsoft.com/office/powerpoint/2010/main" Requires="p14">
+  <mc:AlternateContent xmlns:mc="http://schemas.openxmlformats.org/markup-compatibility/2006" xmlns:p14="http://schemas.microsoft.com/office/powerpoint/2010/main">
+    <mc:Choice Requires="p14">
       <p:transition spd="slow" p14:dur="2000"/>
     </mc:Choice>
-    <mc:Fallback>
+    <mc:Fallback xmlns="">
       <p:transition spd="slow"/>
     </mc:Fallback>
   </mc:AlternateContent>
@@ -20766,15 +20599,7 @@
           <a:p>
             <a:r>
               <a:rPr lang="en-US" dirty="0" smtClean="0"/>
-              <a:t>Lesson </a:t>
-            </a:r>
-            <a:r>
-              <a:rPr lang="en-US" dirty="0" smtClean="0"/>
-              <a:t>2: </a:t>
-            </a:r>
-            <a:r>
-              <a:rPr lang="en-US" dirty="0" smtClean="0"/>
-              <a:t>Implementing a Caching Strategy</a:t>
+              <a:t>Lesson 2: Implementing a Caching Strategy</a:t>
             </a:r>
             <a:endParaRPr lang="en-US" dirty="0"/>
           </a:p>
